--- a/Later/JavaIO/JavaIO_95/Java Externalizable-why.pptx
+++ b/Later/JavaIO/JavaIO_95/Java Externalizable-why.pptx
@@ -3809,15 +3809,7 @@
             </a:r>
             <a:r>
               <a:rPr lang="en-US" sz="1200" dirty="0"/>
-              <a:t>already have </a:t>
-            </a:r>
-            <a:r>
-              <a:rPr lang="en-US" sz="1200" dirty="0"/>
-              <a:t>serializable,why</a:t>
-            </a:r>
-            <a:r>
-              <a:rPr lang="en-US" sz="1200" dirty="0"/>
-              <a:t> </a:t>
+              <a:t>already have serializable,why </a:t>
             </a:r>
             <a:r>
               <a:rPr lang="en-US" sz="1200" dirty="0" smtClean="0"/>
@@ -4178,7 +4170,6 @@
               <a:rPr lang="en-US" sz="1200" dirty="0"/>
               <a:t>Similarly if Employee has instance variable of address class then it will serialize whole object map of address also </a:t>
             </a:r>
-            <a:endParaRPr lang="en-US" sz="1200" dirty="0"/>
           </a:p>
           <a:p>
             <a:pPr marL="171450" indent="-171450">
@@ -4194,11 +4185,7 @@
             </a:pPr>
             <a:r>
               <a:rPr lang="en-US" sz="1200" dirty="0"/>
-              <a:t>Do you really want this much overhead when all you want to serialize is </a:t>
-            </a:r>
-            <a:r>
-              <a:rPr lang="en-US" sz="1200" dirty="0"/>
-              <a:t>i</a:t>
+              <a:t>Do you really want this much overhead when all you want to serialize is i</a:t>
             </a:r>
             <a:r>
               <a:rPr lang="en-US" sz="1200" dirty="0" smtClean="0"/>
@@ -4246,6 +4233,92 @@
               <a:rPr lang="en-US" sz="1200" dirty="0"/>
             </a:br>
             <a:endParaRPr lang="en-US" sz="1200" dirty="0"/>
+          </a:p>
+        </p:txBody>
+      </p:sp>
+      <p:sp>
+        <p:nvSpPr>
+          <p:cNvPr id="2" name="TextBox 1"/>
+          <p:cNvSpPr txBox="1"/>
+          <p:nvPr/>
+        </p:nvSpPr>
+        <p:spPr>
+          <a:xfrm>
+            <a:off x="1938074" y="3483530"/>
+            <a:ext cx="596638" cy="246221"/>
+          </a:xfrm>
+          <a:prstGeom prst="rect">
+            <a:avLst/>
+          </a:prstGeom>
+        </p:spPr>
+        <p:style>
+          <a:lnRef idx="1">
+            <a:schemeClr val="accent2"/>
+          </a:lnRef>
+          <a:fillRef idx="3">
+            <a:schemeClr val="accent2"/>
+          </a:fillRef>
+          <a:effectRef idx="2">
+            <a:schemeClr val="accent2"/>
+          </a:effectRef>
+          <a:fontRef idx="minor">
+            <a:schemeClr val="lt1"/>
+          </a:fontRef>
+        </p:style>
+        <p:txBody>
+          <a:bodyPr wrap="none" rtlCol="0">
+            <a:spAutoFit/>
+          </a:bodyPr>
+          <a:lstStyle/>
+          <a:p>
+            <a:r>
+              <a:rPr lang="en-US" sz="1000" dirty="0" smtClean="0"/>
+              <a:t>extends</a:t>
+            </a:r>
+            <a:endParaRPr lang="en-US" sz="1000" dirty="0"/>
+          </a:p>
+        </p:txBody>
+      </p:sp>
+      <p:sp>
+        <p:nvSpPr>
+          <p:cNvPr id="15" name="TextBox 14"/>
+          <p:cNvSpPr txBox="1"/>
+          <p:nvPr/>
+        </p:nvSpPr>
+        <p:spPr>
+          <a:xfrm>
+            <a:off x="1938074" y="2421493"/>
+            <a:ext cx="596638" cy="246221"/>
+          </a:xfrm>
+          <a:prstGeom prst="rect">
+            <a:avLst/>
+          </a:prstGeom>
+        </p:spPr>
+        <p:style>
+          <a:lnRef idx="1">
+            <a:schemeClr val="accent2"/>
+          </a:lnRef>
+          <a:fillRef idx="3">
+            <a:schemeClr val="accent2"/>
+          </a:fillRef>
+          <a:effectRef idx="2">
+            <a:schemeClr val="accent2"/>
+          </a:effectRef>
+          <a:fontRef idx="minor">
+            <a:schemeClr val="lt1"/>
+          </a:fontRef>
+        </p:style>
+        <p:txBody>
+          <a:bodyPr wrap="none" rtlCol="0">
+            <a:spAutoFit/>
+          </a:bodyPr>
+          <a:lstStyle/>
+          <a:p>
+            <a:r>
+              <a:rPr lang="en-US" sz="1000" dirty="0" smtClean="0"/>
+              <a:t>extends</a:t>
+            </a:r>
+            <a:endParaRPr lang="en-US" sz="1000" dirty="0"/>
           </a:p>
         </p:txBody>
       </p:sp>
